--- a/Java/Java_Project/out/production/Java_Project/seminar_project/ClassStructure.pptx
+++ b/Java/Java_Project/out/production/Java_Project/seminar_project/ClassStructure.pptx
@@ -105,6 +105,11 @@
       </a:defRPr>
     </a:lvl9pPr>
   </p:defaultTextStyle>
+  <p:extLst>
+    <p:ext uri="{EFAFB233-063F-42B5-8137-9DF3F51BA10A}">
+      <p15:sldGuideLst xmlns:p15="http://schemas.microsoft.com/office/powerpoint/2012/main"/>
+    </p:ext>
+  </p:extLst>
 </p:presentation>
 </file>
 
@@ -255,7 +260,7 @@
           <a:p>
             <a:fld id="{0F797588-51F9-CF44-B654-31C0A1862BA6}" type="datetimeFigureOut">
               <a:rPr kumimoji="1" lang="ko-KR" altLang="en-US" smtClean="0"/>
-              <a:t>2019. 4. 4.</a:t>
+              <a:t>2019. 4. 5.</a:t>
             </a:fld>
             <a:endParaRPr kumimoji="1" lang="ko-KR" altLang="en-US"/>
           </a:p>
@@ -453,7 +458,7 @@
           <a:p>
             <a:fld id="{0F797588-51F9-CF44-B654-31C0A1862BA6}" type="datetimeFigureOut">
               <a:rPr kumimoji="1" lang="ko-KR" altLang="en-US" smtClean="0"/>
-              <a:t>2019. 4. 4.</a:t>
+              <a:t>2019. 4. 5.</a:t>
             </a:fld>
             <a:endParaRPr kumimoji="1" lang="ko-KR" altLang="en-US"/>
           </a:p>
@@ -661,7 +666,7 @@
           <a:p>
             <a:fld id="{0F797588-51F9-CF44-B654-31C0A1862BA6}" type="datetimeFigureOut">
               <a:rPr kumimoji="1" lang="ko-KR" altLang="en-US" smtClean="0"/>
-              <a:t>2019. 4. 4.</a:t>
+              <a:t>2019. 4. 5.</a:t>
             </a:fld>
             <a:endParaRPr kumimoji="1" lang="ko-KR" altLang="en-US"/>
           </a:p>
@@ -859,7 +864,7 @@
           <a:p>
             <a:fld id="{0F797588-51F9-CF44-B654-31C0A1862BA6}" type="datetimeFigureOut">
               <a:rPr kumimoji="1" lang="ko-KR" altLang="en-US" smtClean="0"/>
-              <a:t>2019. 4. 4.</a:t>
+              <a:t>2019. 4. 5.</a:t>
             </a:fld>
             <a:endParaRPr kumimoji="1" lang="ko-KR" altLang="en-US"/>
           </a:p>
@@ -1134,7 +1139,7 @@
           <a:p>
             <a:fld id="{0F797588-51F9-CF44-B654-31C0A1862BA6}" type="datetimeFigureOut">
               <a:rPr kumimoji="1" lang="ko-KR" altLang="en-US" smtClean="0"/>
-              <a:t>2019. 4. 4.</a:t>
+              <a:t>2019. 4. 5.</a:t>
             </a:fld>
             <a:endParaRPr kumimoji="1" lang="ko-KR" altLang="en-US"/>
           </a:p>
@@ -1399,7 +1404,7 @@
           <a:p>
             <a:fld id="{0F797588-51F9-CF44-B654-31C0A1862BA6}" type="datetimeFigureOut">
               <a:rPr kumimoji="1" lang="ko-KR" altLang="en-US" smtClean="0"/>
-              <a:t>2019. 4. 4.</a:t>
+              <a:t>2019. 4. 5.</a:t>
             </a:fld>
             <a:endParaRPr kumimoji="1" lang="ko-KR" altLang="en-US"/>
           </a:p>
@@ -1811,7 +1816,7 @@
           <a:p>
             <a:fld id="{0F797588-51F9-CF44-B654-31C0A1862BA6}" type="datetimeFigureOut">
               <a:rPr kumimoji="1" lang="ko-KR" altLang="en-US" smtClean="0"/>
-              <a:t>2019. 4. 4.</a:t>
+              <a:t>2019. 4. 5.</a:t>
             </a:fld>
             <a:endParaRPr kumimoji="1" lang="ko-KR" altLang="en-US"/>
           </a:p>
@@ -1952,7 +1957,7 @@
           <a:p>
             <a:fld id="{0F797588-51F9-CF44-B654-31C0A1862BA6}" type="datetimeFigureOut">
               <a:rPr kumimoji="1" lang="ko-KR" altLang="en-US" smtClean="0"/>
-              <a:t>2019. 4. 4.</a:t>
+              <a:t>2019. 4. 5.</a:t>
             </a:fld>
             <a:endParaRPr kumimoji="1" lang="ko-KR" altLang="en-US"/>
           </a:p>
@@ -2065,7 +2070,7 @@
           <a:p>
             <a:fld id="{0F797588-51F9-CF44-B654-31C0A1862BA6}" type="datetimeFigureOut">
               <a:rPr kumimoji="1" lang="ko-KR" altLang="en-US" smtClean="0"/>
-              <a:t>2019. 4. 4.</a:t>
+              <a:t>2019. 4. 5.</a:t>
             </a:fld>
             <a:endParaRPr kumimoji="1" lang="ko-KR" altLang="en-US"/>
           </a:p>
@@ -2376,7 +2381,7 @@
           <a:p>
             <a:fld id="{0F797588-51F9-CF44-B654-31C0A1862BA6}" type="datetimeFigureOut">
               <a:rPr kumimoji="1" lang="ko-KR" altLang="en-US" smtClean="0"/>
-              <a:t>2019. 4. 4.</a:t>
+              <a:t>2019. 4. 5.</a:t>
             </a:fld>
             <a:endParaRPr kumimoji="1" lang="ko-KR" altLang="en-US"/>
           </a:p>
@@ -2664,7 +2669,7 @@
           <a:p>
             <a:fld id="{0F797588-51F9-CF44-B654-31C0A1862BA6}" type="datetimeFigureOut">
               <a:rPr kumimoji="1" lang="ko-KR" altLang="en-US" smtClean="0"/>
-              <a:t>2019. 4. 4.</a:t>
+              <a:t>2019. 4. 5.</a:t>
             </a:fld>
             <a:endParaRPr kumimoji="1" lang="ko-KR" altLang="en-US"/>
           </a:p>
@@ -2905,7 +2910,7 @@
           <a:p>
             <a:fld id="{0F797588-51F9-CF44-B654-31C0A1862BA6}" type="datetimeFigureOut">
               <a:rPr kumimoji="1" lang="ko-KR" altLang="en-US" smtClean="0"/>
-              <a:t>2019. 4. 4.</a:t>
+              <a:t>2019. 4. 5.</a:t>
             </a:fld>
             <a:endParaRPr kumimoji="1" lang="ko-KR" altLang="en-US"/>
           </a:p>
@@ -3544,7 +3549,7 @@
         </p:nvSpPr>
         <p:spPr>
           <a:xfrm>
-            <a:off x="8766735" y="2443845"/>
+            <a:off x="8582783" y="2387478"/>
             <a:ext cx="1619723" cy="831691"/>
           </a:xfrm>
           <a:prstGeom prst="rect">
@@ -3605,6 +3610,9 @@
             <a:avLst/>
           </a:prstGeom>
           <a:ln w="38100">
+            <a:solidFill>
+              <a:schemeClr val="accent6"/>
+            </a:solidFill>
             <a:headEnd w="sm" len="lg"/>
             <a:tailEnd type="triangle"/>
           </a:ln>
@@ -3649,6 +3657,9 @@
             <a:avLst/>
           </a:prstGeom>
           <a:ln w="38100">
+            <a:solidFill>
+              <a:schemeClr val="accent6"/>
+            </a:solidFill>
             <a:headEnd w="sm" len="lg"/>
             <a:tailEnd type="triangle"/>
           </a:ln>
@@ -3693,6 +3704,9 @@
             <a:avLst/>
           </a:prstGeom>
           <a:ln w="38100">
+            <a:solidFill>
+              <a:schemeClr val="accent6"/>
+            </a:solidFill>
             <a:headEnd w="sm" len="lg"/>
             <a:tailEnd type="triangle"/>
           </a:ln>
@@ -3742,857 +3756,899 @@
           <a:chExt cx="0" cy="0"/>
         </a:xfrm>
       </p:grpSpPr>
-      <p:sp>
-        <p:nvSpPr>
-          <p:cNvPr id="4" name="직사각형 3">
-            <a:extLst>
-              <a:ext uri="{FF2B5EF4-FFF2-40B4-BE49-F238E27FC236}">
-                <a16:creationId xmlns:a16="http://schemas.microsoft.com/office/drawing/2014/main" id="{3B2F9D63-2C43-E746-9DF9-C7FCC5326991}"/>
-              </a:ext>
-            </a:extLst>
-          </p:cNvPr>
-          <p:cNvSpPr/>
+      <p:grpSp>
+        <p:nvGrpSpPr>
+          <p:cNvPr id="5" name="그룹 4">
+            <a:extLst>
+              <a:ext uri="{FF2B5EF4-FFF2-40B4-BE49-F238E27FC236}">
+                <a16:creationId xmlns:a16="http://schemas.microsoft.com/office/drawing/2014/main" id="{6B896FDD-1EDA-8F41-AF7C-8C875F53831A}"/>
+              </a:ext>
+            </a:extLst>
+          </p:cNvPr>
+          <p:cNvGrpSpPr/>
           <p:nvPr/>
-        </p:nvSpPr>
-        <p:spPr>
+        </p:nvGrpSpPr>
+        <p:grpSpPr>
           <a:xfrm>
-            <a:off x="3787900" y="3733399"/>
-            <a:ext cx="1619723" cy="831691"/>
+            <a:off x="830620" y="468809"/>
+            <a:ext cx="10530759" cy="5920381"/>
+            <a:chOff x="1235551" y="373856"/>
+            <a:chExt cx="10530759" cy="5920381"/>
           </a:xfrm>
-          <a:prstGeom prst="rect">
-            <a:avLst/>
-          </a:prstGeom>
-        </p:spPr>
-        <p:style>
-          <a:lnRef idx="2">
-            <a:schemeClr val="accent1">
-              <a:shade val="50000"/>
-            </a:schemeClr>
-          </a:lnRef>
-          <a:fillRef idx="1">
-            <a:schemeClr val="accent1"/>
-          </a:fillRef>
-          <a:effectRef idx="0">
-            <a:schemeClr val="accent1"/>
-          </a:effectRef>
-          <a:fontRef idx="minor">
-            <a:schemeClr val="lt1"/>
-          </a:fontRef>
-        </p:style>
-        <p:txBody>
-          <a:bodyPr rtlCol="0" anchor="ctr"/>
-          <a:lstStyle/>
-          <a:p>
-            <a:pPr algn="ctr"/>
-            <a:r>
-              <a:rPr kumimoji="1" lang="en-US" altLang="ko-KR" dirty="0"/>
-              <a:t>Parts</a:t>
-            </a:r>
-          </a:p>
-          <a:p>
-            <a:pPr algn="ctr"/>
-            <a:r>
-              <a:rPr kumimoji="1" lang="en-US" altLang="ko-KR" dirty="0"/>
-              <a:t>Management</a:t>
-            </a:r>
-          </a:p>
-          <a:p>
-            <a:pPr algn="ctr"/>
-            <a:r>
-              <a:rPr kumimoji="1" lang="en-US" altLang="ko-KR" dirty="0"/>
-              <a:t>Service</a:t>
-            </a:r>
-            <a:endParaRPr kumimoji="1" lang="ko-KR" altLang="en-US" dirty="0"/>
-          </a:p>
-        </p:txBody>
-      </p:sp>
-      <p:sp>
-        <p:nvSpPr>
-          <p:cNvPr id="7" name="직사각형 6">
-            <a:extLst>
-              <a:ext uri="{FF2B5EF4-FFF2-40B4-BE49-F238E27FC236}">
-                <a16:creationId xmlns:a16="http://schemas.microsoft.com/office/drawing/2014/main" id="{75A638DC-0B36-1643-878B-17171C61FF7B}"/>
-              </a:ext>
-            </a:extLst>
-          </p:cNvPr>
-          <p:cNvSpPr/>
-          <p:nvPr/>
-        </p:nvSpPr>
-        <p:spPr>
-          <a:xfrm>
-            <a:off x="7027346" y="3733400"/>
-            <a:ext cx="1619723" cy="831691"/>
-          </a:xfrm>
-          <a:prstGeom prst="rect">
-            <a:avLst/>
-          </a:prstGeom>
-        </p:spPr>
-        <p:style>
-          <a:lnRef idx="2">
-            <a:schemeClr val="accent1">
-              <a:shade val="50000"/>
-            </a:schemeClr>
-          </a:lnRef>
-          <a:fillRef idx="1">
-            <a:schemeClr val="accent1"/>
-          </a:fillRef>
-          <a:effectRef idx="0">
-            <a:schemeClr val="accent1"/>
-          </a:effectRef>
-          <a:fontRef idx="minor">
-            <a:schemeClr val="lt1"/>
-          </a:fontRef>
-        </p:style>
-        <p:txBody>
-          <a:bodyPr rtlCol="0" anchor="ctr"/>
-          <a:lstStyle/>
-          <a:p>
-            <a:pPr algn="ctr"/>
-            <a:r>
-              <a:rPr kumimoji="1" lang="en-US" altLang="ko-KR" dirty="0"/>
-              <a:t>Desktops</a:t>
-            </a:r>
-          </a:p>
-          <a:p>
-            <a:pPr algn="ctr"/>
-            <a:r>
-              <a:rPr kumimoji="1" lang="en-US" altLang="ko-KR" dirty="0"/>
-              <a:t>Management</a:t>
-            </a:r>
-          </a:p>
-          <a:p>
-            <a:pPr algn="ctr"/>
-            <a:r>
-              <a:rPr kumimoji="1" lang="en-US" altLang="ko-KR" dirty="0"/>
-              <a:t>Service</a:t>
-            </a:r>
-            <a:endParaRPr kumimoji="1" lang="ko-KR" altLang="en-US" dirty="0"/>
-          </a:p>
-        </p:txBody>
-      </p:sp>
-      <p:sp>
-        <p:nvSpPr>
-          <p:cNvPr id="8" name="직사각형 7">
-            <a:extLst>
-              <a:ext uri="{FF2B5EF4-FFF2-40B4-BE49-F238E27FC236}">
-                <a16:creationId xmlns:a16="http://schemas.microsoft.com/office/drawing/2014/main" id="{337BC287-8DF1-1B4F-BEB5-D0D10A85B7E8}"/>
-              </a:ext>
-            </a:extLst>
-          </p:cNvPr>
-          <p:cNvSpPr/>
-          <p:nvPr/>
-        </p:nvSpPr>
-        <p:spPr>
-          <a:xfrm>
-            <a:off x="9209096" y="3013154"/>
-            <a:ext cx="1619723" cy="831691"/>
-          </a:xfrm>
-          <a:prstGeom prst="rect">
-            <a:avLst/>
-          </a:prstGeom>
-        </p:spPr>
-        <p:style>
-          <a:lnRef idx="2">
-            <a:schemeClr val="accent1">
-              <a:shade val="50000"/>
-            </a:schemeClr>
-          </a:lnRef>
-          <a:fillRef idx="1">
-            <a:schemeClr val="accent1"/>
-          </a:fillRef>
-          <a:effectRef idx="0">
-            <a:schemeClr val="accent1"/>
-          </a:effectRef>
-          <a:fontRef idx="minor">
-            <a:schemeClr val="lt1"/>
-          </a:fontRef>
-        </p:style>
-        <p:txBody>
-          <a:bodyPr rtlCol="0" anchor="ctr"/>
-          <a:lstStyle/>
-          <a:p>
-            <a:pPr algn="ctr"/>
-            <a:r>
-              <a:rPr kumimoji="1" lang="en-US" altLang="ko-KR" dirty="0"/>
-              <a:t>Desktops</a:t>
-            </a:r>
-          </a:p>
-          <a:p>
-            <a:pPr algn="ctr"/>
-            <a:r>
-              <a:rPr kumimoji="1" lang="en-US" altLang="ko-KR" dirty="0"/>
-              <a:t>Management</a:t>
-            </a:r>
-          </a:p>
-          <a:p>
-            <a:pPr algn="ctr"/>
-            <a:r>
-              <a:rPr kumimoji="1" lang="en-US" altLang="ko-KR" dirty="0"/>
-              <a:t>UI</a:t>
-            </a:r>
-            <a:endParaRPr kumimoji="1" lang="ko-KR" altLang="en-US" dirty="0"/>
-          </a:p>
-        </p:txBody>
-      </p:sp>
-      <p:sp>
-        <p:nvSpPr>
-          <p:cNvPr id="9" name="직사각형 8">
-            <a:extLst>
-              <a:ext uri="{FF2B5EF4-FFF2-40B4-BE49-F238E27FC236}">
-                <a16:creationId xmlns:a16="http://schemas.microsoft.com/office/drawing/2014/main" id="{BCECDE78-554E-FA4C-9DBB-9D097D83BE8D}"/>
-              </a:ext>
-            </a:extLst>
-          </p:cNvPr>
-          <p:cNvSpPr/>
-          <p:nvPr/>
-        </p:nvSpPr>
-        <p:spPr>
-          <a:xfrm>
-            <a:off x="1715842" y="3012344"/>
-            <a:ext cx="1619723" cy="831691"/>
-          </a:xfrm>
-          <a:prstGeom prst="rect">
-            <a:avLst/>
-          </a:prstGeom>
-        </p:spPr>
-        <p:style>
-          <a:lnRef idx="2">
-            <a:schemeClr val="accent1">
-              <a:shade val="50000"/>
-            </a:schemeClr>
-          </a:lnRef>
-          <a:fillRef idx="1">
-            <a:schemeClr val="accent1"/>
-          </a:fillRef>
-          <a:effectRef idx="0">
-            <a:schemeClr val="accent1"/>
-          </a:effectRef>
-          <a:fontRef idx="minor">
-            <a:schemeClr val="lt1"/>
-          </a:fontRef>
-        </p:style>
-        <p:txBody>
-          <a:bodyPr rtlCol="0" anchor="ctr"/>
-          <a:lstStyle/>
-          <a:p>
-            <a:pPr algn="ctr"/>
-            <a:r>
-              <a:rPr kumimoji="1" lang="en-US" altLang="ko-KR" dirty="0"/>
-              <a:t>Parts</a:t>
-            </a:r>
-          </a:p>
-          <a:p>
-            <a:pPr algn="ctr"/>
-            <a:r>
-              <a:rPr kumimoji="1" lang="en-US" altLang="ko-KR" dirty="0"/>
-              <a:t>Management</a:t>
-            </a:r>
-          </a:p>
-          <a:p>
-            <a:pPr algn="ctr"/>
-            <a:r>
-              <a:rPr kumimoji="1" lang="en-US" altLang="ko-KR" dirty="0"/>
-              <a:t>UI</a:t>
-            </a:r>
-            <a:endParaRPr kumimoji="1" lang="ko-KR" altLang="en-US" dirty="0"/>
-          </a:p>
-        </p:txBody>
-      </p:sp>
-      <p:sp>
-        <p:nvSpPr>
-          <p:cNvPr id="10" name="직사각형 9">
-            <a:extLst>
-              <a:ext uri="{FF2B5EF4-FFF2-40B4-BE49-F238E27FC236}">
-                <a16:creationId xmlns:a16="http://schemas.microsoft.com/office/drawing/2014/main" id="{1B572544-AD91-2444-B436-2A05DC9F5B82}"/>
-              </a:ext>
-            </a:extLst>
-          </p:cNvPr>
-          <p:cNvSpPr/>
-          <p:nvPr/>
-        </p:nvSpPr>
-        <p:spPr>
-          <a:xfrm>
-            <a:off x="5407623" y="2333258"/>
-            <a:ext cx="1619723" cy="831691"/>
-          </a:xfrm>
-          <a:prstGeom prst="rect">
-            <a:avLst/>
-          </a:prstGeom>
-        </p:spPr>
-        <p:style>
-          <a:lnRef idx="2">
-            <a:schemeClr val="accent1">
-              <a:shade val="50000"/>
-            </a:schemeClr>
-          </a:lnRef>
-          <a:fillRef idx="1">
-            <a:schemeClr val="accent1"/>
-          </a:fillRef>
-          <a:effectRef idx="0">
-            <a:schemeClr val="accent1"/>
-          </a:effectRef>
-          <a:fontRef idx="minor">
-            <a:schemeClr val="lt1"/>
-          </a:fontRef>
-        </p:style>
-        <p:txBody>
-          <a:bodyPr rtlCol="0" anchor="ctr"/>
-          <a:lstStyle/>
-          <a:p>
-            <a:pPr algn="ctr"/>
-            <a:r>
-              <a:rPr kumimoji="1" lang="en-US" altLang="ko-KR" dirty="0"/>
-              <a:t>Stocks</a:t>
-            </a:r>
-          </a:p>
-          <a:p>
-            <a:pPr algn="ctr"/>
-            <a:r>
-              <a:rPr kumimoji="1" lang="en-US" altLang="ko-KR" dirty="0"/>
-              <a:t>Management</a:t>
-            </a:r>
-          </a:p>
-          <a:p>
-            <a:pPr algn="ctr"/>
-            <a:r>
-              <a:rPr kumimoji="1" lang="en-US" altLang="ko-KR" dirty="0"/>
-              <a:t>Service</a:t>
-            </a:r>
-            <a:endParaRPr kumimoji="1" lang="ko-KR" altLang="en-US" dirty="0"/>
-          </a:p>
-        </p:txBody>
-      </p:sp>
-      <p:sp>
-        <p:nvSpPr>
-          <p:cNvPr id="11" name="직사각형 10">
-            <a:extLst>
-              <a:ext uri="{FF2B5EF4-FFF2-40B4-BE49-F238E27FC236}">
-                <a16:creationId xmlns:a16="http://schemas.microsoft.com/office/drawing/2014/main" id="{2ECE5E05-7D39-FF41-9DE6-76B29FE4C3F1}"/>
-              </a:ext>
-            </a:extLst>
-          </p:cNvPr>
-          <p:cNvSpPr/>
-          <p:nvPr/>
-        </p:nvSpPr>
-        <p:spPr>
-          <a:xfrm>
-            <a:off x="5415419" y="5462546"/>
-            <a:ext cx="1619723" cy="831691"/>
-          </a:xfrm>
-          <a:prstGeom prst="rect">
-            <a:avLst/>
-          </a:prstGeom>
-        </p:spPr>
-        <p:style>
-          <a:lnRef idx="2">
-            <a:schemeClr val="accent1">
-              <a:shade val="50000"/>
-            </a:schemeClr>
-          </a:lnRef>
-          <a:fillRef idx="1">
-            <a:schemeClr val="accent1"/>
-          </a:fillRef>
-          <a:effectRef idx="0">
-            <a:schemeClr val="accent1"/>
-          </a:effectRef>
-          <a:fontRef idx="minor">
-            <a:schemeClr val="lt1"/>
-          </a:fontRef>
-        </p:style>
-        <p:txBody>
-          <a:bodyPr rtlCol="0" anchor="ctr"/>
-          <a:lstStyle/>
-          <a:p>
-            <a:pPr algn="ctr"/>
-            <a:r>
-              <a:rPr kumimoji="1" lang="en-US" altLang="ko-KR" dirty="0"/>
-              <a:t>Client</a:t>
-            </a:r>
-            <a:endParaRPr kumimoji="1" lang="ko-KR" altLang="en-US" dirty="0"/>
-          </a:p>
-        </p:txBody>
-      </p:sp>
-      <p:cxnSp>
-        <p:nvCxnSpPr>
-          <p:cNvPr id="18" name="직선 화살표 연결선 17">
-            <a:extLst>
-              <a:ext uri="{FF2B5EF4-FFF2-40B4-BE49-F238E27FC236}">
-                <a16:creationId xmlns:a16="http://schemas.microsoft.com/office/drawing/2014/main" id="{B295BE80-E722-494C-812B-FC759CF6D866}"/>
-              </a:ext>
-            </a:extLst>
-          </p:cNvPr>
-          <p:cNvCxnSpPr>
-            <a:cxnSpLocks/>
-            <a:stCxn id="4" idx="0"/>
-            <a:endCxn id="10" idx="2"/>
-          </p:cNvCxnSpPr>
-          <p:nvPr/>
-        </p:nvCxnSpPr>
-        <p:spPr>
-          <a:xfrm flipV="1">
-            <a:off x="4597762" y="3164949"/>
-            <a:ext cx="1619723" cy="568450"/>
-          </a:xfrm>
-          <a:prstGeom prst="straightConnector1">
-            <a:avLst/>
-          </a:prstGeom>
-          <a:ln w="38100">
-            <a:tailEnd type="triangle"/>
-          </a:ln>
-        </p:spPr>
-        <p:style>
-          <a:lnRef idx="3">
-            <a:schemeClr val="accent1"/>
-          </a:lnRef>
-          <a:fillRef idx="0">
-            <a:schemeClr val="accent1"/>
-          </a:fillRef>
-          <a:effectRef idx="2">
-            <a:schemeClr val="accent1"/>
-          </a:effectRef>
-          <a:fontRef idx="minor">
-            <a:schemeClr val="tx1"/>
-          </a:fontRef>
-        </p:style>
-      </p:cxnSp>
-      <p:cxnSp>
-        <p:nvCxnSpPr>
-          <p:cNvPr id="21" name="직선 화살표 연결선 20">
-            <a:extLst>
-              <a:ext uri="{FF2B5EF4-FFF2-40B4-BE49-F238E27FC236}">
-                <a16:creationId xmlns:a16="http://schemas.microsoft.com/office/drawing/2014/main" id="{3A3652F7-DF4E-AE45-B119-2395E71F5FF5}"/>
-              </a:ext>
-            </a:extLst>
-          </p:cNvPr>
-          <p:cNvCxnSpPr>
-            <a:cxnSpLocks/>
-            <a:stCxn id="7" idx="0"/>
-            <a:endCxn id="10" idx="2"/>
-          </p:cNvCxnSpPr>
-          <p:nvPr/>
-        </p:nvCxnSpPr>
-        <p:spPr>
-          <a:xfrm flipH="1" flipV="1">
-            <a:off x="6217485" y="3164949"/>
-            <a:ext cx="1619723" cy="568451"/>
-          </a:xfrm>
-          <a:prstGeom prst="straightConnector1">
-            <a:avLst/>
-          </a:prstGeom>
-          <a:ln w="38100">
-            <a:tailEnd type="triangle"/>
-          </a:ln>
-        </p:spPr>
-        <p:style>
-          <a:lnRef idx="3">
-            <a:schemeClr val="accent1"/>
-          </a:lnRef>
-          <a:fillRef idx="0">
-            <a:schemeClr val="accent1"/>
-          </a:fillRef>
-          <a:effectRef idx="2">
-            <a:schemeClr val="accent1"/>
-          </a:effectRef>
-          <a:fontRef idx="minor">
-            <a:schemeClr val="tx1"/>
-          </a:fontRef>
-        </p:style>
-      </p:cxnSp>
-      <p:cxnSp>
-        <p:nvCxnSpPr>
-          <p:cNvPr id="29" name="직선 화살표 연결선 28">
-            <a:extLst>
-              <a:ext uri="{FF2B5EF4-FFF2-40B4-BE49-F238E27FC236}">
-                <a16:creationId xmlns:a16="http://schemas.microsoft.com/office/drawing/2014/main" id="{348D68EB-6540-0F45-A9D9-EF8537B5D0C1}"/>
-              </a:ext>
-            </a:extLst>
-          </p:cNvPr>
-          <p:cNvCxnSpPr>
-            <a:cxnSpLocks/>
-            <a:stCxn id="9" idx="3"/>
-            <a:endCxn id="4" idx="1"/>
-          </p:cNvCxnSpPr>
-          <p:nvPr/>
-        </p:nvCxnSpPr>
-        <p:spPr>
-          <a:xfrm>
-            <a:off x="3335565" y="3428190"/>
-            <a:ext cx="452335" cy="721055"/>
-          </a:xfrm>
-          <a:prstGeom prst="straightConnector1">
-            <a:avLst/>
-          </a:prstGeom>
-          <a:ln w="38100" cap="flat" cmpd="sng" algn="ctr">
-            <a:solidFill>
+        </p:grpSpPr>
+        <p:grpSp>
+          <p:nvGrpSpPr>
+            <p:cNvPr id="2" name="그룹 1">
+              <a:extLst>
+                <a:ext uri="{FF2B5EF4-FFF2-40B4-BE49-F238E27FC236}">
+                  <a16:creationId xmlns:a16="http://schemas.microsoft.com/office/drawing/2014/main" id="{840A62A6-FAA1-C14E-9D87-086B95678165}"/>
+                </a:ext>
+              </a:extLst>
+            </p:cNvPr>
+            <p:cNvGrpSpPr/>
+            <p:nvPr/>
+          </p:nvGrpSpPr>
+          <p:grpSpPr>
+            <a:xfrm>
+              <a:off x="3787900" y="3879475"/>
+              <a:ext cx="4859169" cy="831691"/>
+              <a:chOff x="3787900" y="3901560"/>
+              <a:chExt cx="4859169" cy="831691"/>
+            </a:xfrm>
+          </p:grpSpPr>
+          <p:sp>
+            <p:nvSpPr>
+              <p:cNvPr id="4" name="직사각형 3">
+                <a:extLst>
+                  <a:ext uri="{FF2B5EF4-FFF2-40B4-BE49-F238E27FC236}">
+                    <a16:creationId xmlns:a16="http://schemas.microsoft.com/office/drawing/2014/main" id="{3B2F9D63-2C43-E746-9DF9-C7FCC5326991}"/>
+                  </a:ext>
+                </a:extLst>
+              </p:cNvPr>
+              <p:cNvSpPr/>
+              <p:nvPr/>
+            </p:nvSpPr>
+            <p:spPr>
+              <a:xfrm>
+                <a:off x="3787900" y="3901560"/>
+                <a:ext cx="1619723" cy="831691"/>
+              </a:xfrm>
+              <a:prstGeom prst="rect">
+                <a:avLst/>
+              </a:prstGeom>
+            </p:spPr>
+            <p:style>
+              <a:lnRef idx="2">
+                <a:schemeClr val="accent1">
+                  <a:shade val="50000"/>
+                </a:schemeClr>
+              </a:lnRef>
+              <a:fillRef idx="1">
+                <a:schemeClr val="accent1"/>
+              </a:fillRef>
+              <a:effectRef idx="0">
+                <a:schemeClr val="accent1"/>
+              </a:effectRef>
+              <a:fontRef idx="minor">
+                <a:schemeClr val="lt1"/>
+              </a:fontRef>
+            </p:style>
+            <p:txBody>
+              <a:bodyPr rtlCol="0" anchor="ctr"/>
+              <a:lstStyle/>
+              <a:p>
+                <a:pPr algn="ctr"/>
+                <a:r>
+                  <a:rPr kumimoji="1" lang="en-US" altLang="ko-KR" dirty="0"/>
+                  <a:t>Parts</a:t>
+                </a:r>
+              </a:p>
+              <a:p>
+                <a:pPr algn="ctr"/>
+                <a:r>
+                  <a:rPr kumimoji="1" lang="en-US" altLang="ko-KR" dirty="0"/>
+                  <a:t>Management</a:t>
+                </a:r>
+              </a:p>
+              <a:p>
+                <a:pPr algn="ctr"/>
+                <a:r>
+                  <a:rPr kumimoji="1" lang="en-US" altLang="ko-KR" dirty="0"/>
+                  <a:t>Service</a:t>
+                </a:r>
+                <a:endParaRPr kumimoji="1" lang="ko-KR" altLang="en-US" dirty="0"/>
+              </a:p>
+            </p:txBody>
+          </p:sp>
+          <p:sp>
+            <p:nvSpPr>
+              <p:cNvPr id="7" name="직사각형 6">
+                <a:extLst>
+                  <a:ext uri="{FF2B5EF4-FFF2-40B4-BE49-F238E27FC236}">
+                    <a16:creationId xmlns:a16="http://schemas.microsoft.com/office/drawing/2014/main" id="{75A638DC-0B36-1643-878B-17171C61FF7B}"/>
+                  </a:ext>
+                </a:extLst>
+              </p:cNvPr>
+              <p:cNvSpPr/>
+              <p:nvPr/>
+            </p:nvSpPr>
+            <p:spPr>
+              <a:xfrm>
+                <a:off x="7027346" y="3901560"/>
+                <a:ext cx="1619723" cy="831691"/>
+              </a:xfrm>
+              <a:prstGeom prst="rect">
+                <a:avLst/>
+              </a:prstGeom>
+            </p:spPr>
+            <p:style>
+              <a:lnRef idx="2">
+                <a:schemeClr val="accent1">
+                  <a:shade val="50000"/>
+                </a:schemeClr>
+              </a:lnRef>
+              <a:fillRef idx="1">
+                <a:schemeClr val="accent1"/>
+              </a:fillRef>
+              <a:effectRef idx="0">
+                <a:schemeClr val="accent1"/>
+              </a:effectRef>
+              <a:fontRef idx="minor">
+                <a:schemeClr val="lt1"/>
+              </a:fontRef>
+            </p:style>
+            <p:txBody>
+              <a:bodyPr rtlCol="0" anchor="ctr"/>
+              <a:lstStyle/>
+              <a:p>
+                <a:pPr algn="ctr"/>
+                <a:r>
+                  <a:rPr kumimoji="1" lang="en-US" altLang="ko-KR" dirty="0"/>
+                  <a:t>Desktops</a:t>
+                </a:r>
+              </a:p>
+              <a:p>
+                <a:pPr algn="ctr"/>
+                <a:r>
+                  <a:rPr kumimoji="1" lang="en-US" altLang="ko-KR" dirty="0"/>
+                  <a:t>Management</a:t>
+                </a:r>
+              </a:p>
+              <a:p>
+                <a:pPr algn="ctr"/>
+                <a:r>
+                  <a:rPr kumimoji="1" lang="en-US" altLang="ko-KR" dirty="0"/>
+                  <a:t>Service</a:t>
+                </a:r>
+                <a:endParaRPr kumimoji="1" lang="ko-KR" altLang="en-US" dirty="0"/>
+              </a:p>
+            </p:txBody>
+          </p:sp>
+        </p:grpSp>
+        <p:sp>
+          <p:nvSpPr>
+            <p:cNvPr id="8" name="직사각형 7">
+              <a:extLst>
+                <a:ext uri="{FF2B5EF4-FFF2-40B4-BE49-F238E27FC236}">
+                  <a16:creationId xmlns:a16="http://schemas.microsoft.com/office/drawing/2014/main" id="{337BC287-8DF1-1B4F-BEB5-D0D10A85B7E8}"/>
+                </a:ext>
+              </a:extLst>
+            </p:cNvPr>
+            <p:cNvSpPr/>
+            <p:nvPr/>
+          </p:nvSpPr>
+          <p:spPr>
+            <a:xfrm>
+              <a:off x="10146587" y="2296405"/>
+              <a:ext cx="1619723" cy="831691"/>
+            </a:xfrm>
+            <a:prstGeom prst="rect">
+              <a:avLst/>
+            </a:prstGeom>
+          </p:spPr>
+          <p:style>
+            <a:lnRef idx="2">
+              <a:schemeClr val="accent1">
+                <a:shade val="50000"/>
+              </a:schemeClr>
+            </a:lnRef>
+            <a:fillRef idx="1">
               <a:schemeClr val="accent1"/>
-            </a:solidFill>
-            <a:prstDash val="sysDash"/>
-            <a:round/>
-            <a:headEnd type="none" w="med" len="med"/>
-            <a:tailEnd type="triangle" w="med" len="med"/>
-          </a:ln>
-        </p:spPr>
-        <p:style>
-          <a:lnRef idx="0">
-            <a:scrgbClr r="0" g="0" b="0"/>
-          </a:lnRef>
-          <a:fillRef idx="0">
-            <a:scrgbClr r="0" g="0" b="0"/>
-          </a:fillRef>
-          <a:effectRef idx="0">
-            <a:scrgbClr r="0" g="0" b="0"/>
-          </a:effectRef>
-          <a:fontRef idx="minor">
-            <a:schemeClr val="tx1"/>
-          </a:fontRef>
-        </p:style>
-      </p:cxnSp>
-      <p:cxnSp>
-        <p:nvCxnSpPr>
-          <p:cNvPr id="36" name="직선 화살표 연결선 35">
-            <a:extLst>
-              <a:ext uri="{FF2B5EF4-FFF2-40B4-BE49-F238E27FC236}">
-                <a16:creationId xmlns:a16="http://schemas.microsoft.com/office/drawing/2014/main" id="{DFB7654B-DF6E-FE42-B5C1-EA9A9A750755}"/>
-              </a:ext>
-            </a:extLst>
-          </p:cNvPr>
-          <p:cNvCxnSpPr>
-            <a:cxnSpLocks/>
-            <a:stCxn id="8" idx="1"/>
-            <a:endCxn id="7" idx="3"/>
-          </p:cNvCxnSpPr>
-          <p:nvPr/>
-        </p:nvCxnSpPr>
-        <p:spPr>
-          <a:xfrm flipH="1">
-            <a:off x="8647069" y="3429000"/>
-            <a:ext cx="562027" cy="720246"/>
-          </a:xfrm>
-          <a:prstGeom prst="straightConnector1">
-            <a:avLst/>
-          </a:prstGeom>
-          <a:ln w="38100" cap="flat" cmpd="sng" algn="ctr">
-            <a:solidFill>
+            </a:fillRef>
+            <a:effectRef idx="0">
               <a:schemeClr val="accent1"/>
-            </a:solidFill>
-            <a:prstDash val="sysDash"/>
-            <a:round/>
-            <a:headEnd type="none" w="med" len="med"/>
-            <a:tailEnd type="triangle" w="med" len="med"/>
-          </a:ln>
-        </p:spPr>
-        <p:style>
-          <a:lnRef idx="0">
-            <a:scrgbClr r="0" g="0" b="0"/>
-          </a:lnRef>
-          <a:fillRef idx="0">
-            <a:scrgbClr r="0" g="0" b="0"/>
-          </a:fillRef>
-          <a:effectRef idx="0">
-            <a:scrgbClr r="0" g="0" b="0"/>
-          </a:effectRef>
-          <a:fontRef idx="minor">
-            <a:schemeClr val="tx1"/>
-          </a:fontRef>
-        </p:style>
-      </p:cxnSp>
-      <p:cxnSp>
-        <p:nvCxnSpPr>
-          <p:cNvPr id="51" name="직선 화살표 연결선 50">
-            <a:extLst>
-              <a:ext uri="{FF2B5EF4-FFF2-40B4-BE49-F238E27FC236}">
-                <a16:creationId xmlns:a16="http://schemas.microsoft.com/office/drawing/2014/main" id="{11D31CAF-5B62-8A4D-9FA1-3DDC8AD772FA}"/>
-              </a:ext>
-            </a:extLst>
-          </p:cNvPr>
-          <p:cNvCxnSpPr>
-            <a:cxnSpLocks/>
-            <a:stCxn id="4" idx="2"/>
-            <a:endCxn id="11" idx="1"/>
-          </p:cNvCxnSpPr>
-          <p:nvPr/>
-        </p:nvCxnSpPr>
-        <p:spPr>
-          <a:xfrm>
-            <a:off x="4597762" y="4565090"/>
-            <a:ext cx="817657" cy="1313302"/>
-          </a:xfrm>
-          <a:prstGeom prst="straightConnector1">
-            <a:avLst/>
-          </a:prstGeom>
-          <a:ln w="38100" cap="flat" cmpd="sng" algn="ctr">
-            <a:solidFill>
+            </a:effectRef>
+            <a:fontRef idx="minor">
+              <a:schemeClr val="lt1"/>
+            </a:fontRef>
+          </p:style>
+          <p:txBody>
+            <a:bodyPr rtlCol="0" anchor="ctr"/>
+            <a:lstStyle/>
+            <a:p>
+              <a:pPr algn="ctr"/>
+              <a:r>
+                <a:rPr kumimoji="1" lang="en-US" altLang="ko-KR" dirty="0"/>
+                <a:t>Desktops</a:t>
+              </a:r>
+            </a:p>
+            <a:p>
+              <a:pPr algn="ctr"/>
+              <a:r>
+                <a:rPr kumimoji="1" lang="en-US" altLang="ko-KR" dirty="0"/>
+                <a:t>Management</a:t>
+              </a:r>
+            </a:p>
+            <a:p>
+              <a:pPr algn="ctr"/>
+              <a:r>
+                <a:rPr kumimoji="1" lang="en-US" altLang="ko-KR" dirty="0"/>
+                <a:t>UI</a:t>
+              </a:r>
+              <a:endParaRPr kumimoji="1" lang="ko-KR" altLang="en-US" dirty="0"/>
+            </a:p>
+          </p:txBody>
+        </p:sp>
+        <p:sp>
+          <p:nvSpPr>
+            <p:cNvPr id="9" name="직사각형 8">
+              <a:extLst>
+                <a:ext uri="{FF2B5EF4-FFF2-40B4-BE49-F238E27FC236}">
+                  <a16:creationId xmlns:a16="http://schemas.microsoft.com/office/drawing/2014/main" id="{BCECDE78-554E-FA4C-9DBB-9D097D83BE8D}"/>
+                </a:ext>
+              </a:extLst>
+            </p:cNvPr>
+            <p:cNvSpPr/>
+            <p:nvPr/>
+          </p:nvSpPr>
+          <p:spPr>
+            <a:xfrm>
+              <a:off x="1235551" y="2296405"/>
+              <a:ext cx="1619723" cy="831691"/>
+            </a:xfrm>
+            <a:prstGeom prst="rect">
+              <a:avLst/>
+            </a:prstGeom>
+          </p:spPr>
+          <p:style>
+            <a:lnRef idx="2">
+              <a:schemeClr val="accent1">
+                <a:shade val="50000"/>
+              </a:schemeClr>
+            </a:lnRef>
+            <a:fillRef idx="1">
               <a:schemeClr val="accent1"/>
-            </a:solidFill>
-            <a:prstDash val="sysDash"/>
-            <a:round/>
-            <a:headEnd type="none" w="med" len="med"/>
-            <a:tailEnd type="triangle" w="med" len="med"/>
-          </a:ln>
-        </p:spPr>
-        <p:style>
-          <a:lnRef idx="0">
-            <a:scrgbClr r="0" g="0" b="0"/>
-          </a:lnRef>
-          <a:fillRef idx="0">
-            <a:scrgbClr r="0" g="0" b="0"/>
-          </a:fillRef>
-          <a:effectRef idx="0">
-            <a:scrgbClr r="0" g="0" b="0"/>
-          </a:effectRef>
-          <a:fontRef idx="minor">
-            <a:schemeClr val="tx1"/>
-          </a:fontRef>
-        </p:style>
-      </p:cxnSp>
-      <p:cxnSp>
-        <p:nvCxnSpPr>
-          <p:cNvPr id="54" name="직선 화살표 연결선 53">
-            <a:extLst>
-              <a:ext uri="{FF2B5EF4-FFF2-40B4-BE49-F238E27FC236}">
-                <a16:creationId xmlns:a16="http://schemas.microsoft.com/office/drawing/2014/main" id="{A43AF167-D776-8245-99C5-307AED6677BD}"/>
-              </a:ext>
-            </a:extLst>
-          </p:cNvPr>
-          <p:cNvCxnSpPr>
-            <a:cxnSpLocks/>
-            <a:stCxn id="7" idx="2"/>
-            <a:endCxn id="11" idx="3"/>
-          </p:cNvCxnSpPr>
-          <p:nvPr/>
-        </p:nvCxnSpPr>
-        <p:spPr>
-          <a:xfrm flipH="1">
-            <a:off x="7035142" y="4565091"/>
-            <a:ext cx="802066" cy="1313301"/>
-          </a:xfrm>
-          <a:prstGeom prst="straightConnector1">
-            <a:avLst/>
-          </a:prstGeom>
-          <a:ln w="38100" cap="flat" cmpd="sng" algn="ctr">
-            <a:solidFill>
+            </a:fillRef>
+            <a:effectRef idx="0">
               <a:schemeClr val="accent1"/>
-            </a:solidFill>
-            <a:prstDash val="sysDash"/>
-            <a:round/>
-            <a:headEnd type="none" w="med" len="med"/>
-            <a:tailEnd type="triangle" w="med" len="med"/>
-          </a:ln>
-        </p:spPr>
-        <p:style>
-          <a:lnRef idx="0">
-            <a:scrgbClr r="0" g="0" b="0"/>
-          </a:lnRef>
-          <a:fillRef idx="0">
-            <a:scrgbClr r="0" g="0" b="0"/>
-          </a:fillRef>
-          <a:effectRef idx="0">
-            <a:scrgbClr r="0" g="0" b="0"/>
-          </a:effectRef>
-          <a:fontRef idx="minor">
-            <a:schemeClr val="tx1"/>
-          </a:fontRef>
-        </p:style>
-      </p:cxnSp>
-      <p:sp>
-        <p:nvSpPr>
-          <p:cNvPr id="22" name="직사각형 21">
-            <a:extLst>
-              <a:ext uri="{FF2B5EF4-FFF2-40B4-BE49-F238E27FC236}">
-                <a16:creationId xmlns:a16="http://schemas.microsoft.com/office/drawing/2014/main" id="{5972E4BD-E147-FF45-AFB4-942C44815981}"/>
-              </a:ext>
-            </a:extLst>
-          </p:cNvPr>
-          <p:cNvSpPr/>
-          <p:nvPr/>
-        </p:nvSpPr>
-        <p:spPr>
-          <a:xfrm>
-            <a:off x="5407623" y="789701"/>
-            <a:ext cx="1619723" cy="831691"/>
-          </a:xfrm>
-          <a:prstGeom prst="rect">
-            <a:avLst/>
-          </a:prstGeom>
-        </p:spPr>
-        <p:style>
-          <a:lnRef idx="2">
-            <a:schemeClr val="accent1">
-              <a:shade val="50000"/>
-            </a:schemeClr>
-          </a:lnRef>
-          <a:fillRef idx="1">
-            <a:schemeClr val="accent1"/>
-          </a:fillRef>
-          <a:effectRef idx="0">
-            <a:schemeClr val="accent1"/>
-          </a:effectRef>
-          <a:fontRef idx="minor">
-            <a:schemeClr val="lt1"/>
-          </a:fontRef>
-        </p:style>
-        <p:txBody>
-          <a:bodyPr rtlCol="0" anchor="ctr"/>
-          <a:lstStyle/>
-          <a:p>
-            <a:pPr algn="ctr"/>
-            <a:r>
-              <a:rPr kumimoji="1" lang="en-US" altLang="ko-KR" dirty="0"/>
-              <a:t>Stocks</a:t>
-            </a:r>
-          </a:p>
-          <a:p>
-            <a:pPr algn="ctr"/>
-            <a:r>
-              <a:rPr kumimoji="1" lang="en-US" altLang="ko-KR" dirty="0"/>
-              <a:t>Management</a:t>
-            </a:r>
-          </a:p>
-          <a:p>
-            <a:pPr algn="ctr"/>
-            <a:r>
-              <a:rPr kumimoji="1" lang="en-US" altLang="ko-KR" dirty="0"/>
-              <a:t>UI</a:t>
-            </a:r>
-            <a:endParaRPr kumimoji="1" lang="ko-KR" altLang="en-US" dirty="0"/>
-          </a:p>
-        </p:txBody>
-      </p:sp>
-      <p:cxnSp>
-        <p:nvCxnSpPr>
-          <p:cNvPr id="23" name="직선 화살표 연결선 22">
-            <a:extLst>
-              <a:ext uri="{FF2B5EF4-FFF2-40B4-BE49-F238E27FC236}">
-                <a16:creationId xmlns:a16="http://schemas.microsoft.com/office/drawing/2014/main" id="{CFA77D5C-93F2-894C-99D7-7BD61841CDD9}"/>
-              </a:ext>
-            </a:extLst>
-          </p:cNvPr>
-          <p:cNvCxnSpPr>
-            <a:cxnSpLocks/>
-            <a:stCxn id="9" idx="0"/>
-            <a:endCxn id="22" idx="1"/>
-          </p:cNvCxnSpPr>
-          <p:nvPr/>
-        </p:nvCxnSpPr>
-        <p:spPr>
-          <a:xfrm flipV="1">
-            <a:off x="2525704" y="1205547"/>
-            <a:ext cx="2881919" cy="1806797"/>
-          </a:xfrm>
-          <a:prstGeom prst="straightConnector1">
-            <a:avLst/>
-          </a:prstGeom>
-          <a:ln w="38100">
-            <a:tailEnd type="triangle"/>
-          </a:ln>
-        </p:spPr>
-        <p:style>
-          <a:lnRef idx="3">
-            <a:schemeClr val="accent1"/>
-          </a:lnRef>
-          <a:fillRef idx="0">
-            <a:schemeClr val="accent1"/>
-          </a:fillRef>
-          <a:effectRef idx="2">
-            <a:schemeClr val="accent1"/>
-          </a:effectRef>
-          <a:fontRef idx="minor">
-            <a:schemeClr val="tx1"/>
-          </a:fontRef>
-        </p:style>
-      </p:cxnSp>
-      <p:cxnSp>
-        <p:nvCxnSpPr>
-          <p:cNvPr id="26" name="직선 화살표 연결선 25">
-            <a:extLst>
-              <a:ext uri="{FF2B5EF4-FFF2-40B4-BE49-F238E27FC236}">
-                <a16:creationId xmlns:a16="http://schemas.microsoft.com/office/drawing/2014/main" id="{C6BA1015-4077-2E4E-89F8-D699CB40A1AA}"/>
-              </a:ext>
-            </a:extLst>
-          </p:cNvPr>
-          <p:cNvCxnSpPr>
-            <a:cxnSpLocks/>
-            <a:stCxn id="8" idx="0"/>
-            <a:endCxn id="22" idx="3"/>
-          </p:cNvCxnSpPr>
-          <p:nvPr/>
-        </p:nvCxnSpPr>
-        <p:spPr>
-          <a:xfrm flipH="1" flipV="1">
-            <a:off x="7027346" y="1205547"/>
-            <a:ext cx="2991612" cy="1807607"/>
-          </a:xfrm>
-          <a:prstGeom prst="straightConnector1">
-            <a:avLst/>
-          </a:prstGeom>
-          <a:ln w="38100">
-            <a:tailEnd type="triangle"/>
-          </a:ln>
-        </p:spPr>
-        <p:style>
-          <a:lnRef idx="3">
-            <a:schemeClr val="accent1"/>
-          </a:lnRef>
-          <a:fillRef idx="0">
-            <a:schemeClr val="accent1"/>
-          </a:fillRef>
-          <a:effectRef idx="2">
-            <a:schemeClr val="accent1"/>
-          </a:effectRef>
-          <a:fontRef idx="minor">
-            <a:schemeClr val="tx1"/>
-          </a:fontRef>
-        </p:style>
-      </p:cxnSp>
-      <p:cxnSp>
-        <p:nvCxnSpPr>
-          <p:cNvPr id="67" name="직선 화살표 연결선 66">
-            <a:extLst>
-              <a:ext uri="{FF2B5EF4-FFF2-40B4-BE49-F238E27FC236}">
-                <a16:creationId xmlns:a16="http://schemas.microsoft.com/office/drawing/2014/main" id="{EB872271-2AB8-3C4D-8266-8B00CF754AD0}"/>
-              </a:ext>
-            </a:extLst>
-          </p:cNvPr>
-          <p:cNvCxnSpPr>
-            <a:cxnSpLocks/>
-            <a:stCxn id="22" idx="2"/>
-            <a:endCxn id="10" idx="0"/>
-          </p:cNvCxnSpPr>
-          <p:nvPr/>
-        </p:nvCxnSpPr>
-        <p:spPr>
-          <a:xfrm>
-            <a:off x="6217485" y="1621392"/>
-            <a:ext cx="0" cy="711866"/>
-          </a:xfrm>
-          <a:prstGeom prst="straightConnector1">
-            <a:avLst/>
-          </a:prstGeom>
-          <a:ln w="38100" cap="flat" cmpd="sng" algn="ctr">
-            <a:solidFill>
+            </a:effectRef>
+            <a:fontRef idx="minor">
+              <a:schemeClr val="lt1"/>
+            </a:fontRef>
+          </p:style>
+          <p:txBody>
+            <a:bodyPr rtlCol="0" anchor="ctr"/>
+            <a:lstStyle/>
+            <a:p>
+              <a:pPr algn="ctr"/>
+              <a:r>
+                <a:rPr kumimoji="1" lang="en-US" altLang="ko-KR" dirty="0"/>
+                <a:t>Parts</a:t>
+              </a:r>
+            </a:p>
+            <a:p>
+              <a:pPr algn="ctr"/>
+              <a:r>
+                <a:rPr kumimoji="1" lang="en-US" altLang="ko-KR" dirty="0"/>
+                <a:t>Management</a:t>
+              </a:r>
+            </a:p>
+            <a:p>
+              <a:pPr algn="ctr"/>
+              <a:r>
+                <a:rPr kumimoji="1" lang="en-US" altLang="ko-KR" dirty="0"/>
+                <a:t>UI</a:t>
+              </a:r>
+              <a:endParaRPr kumimoji="1" lang="ko-KR" altLang="en-US" dirty="0"/>
+            </a:p>
+          </p:txBody>
+        </p:sp>
+        <p:sp>
+          <p:nvSpPr>
+            <p:cNvPr id="10" name="직사각형 9">
+              <a:extLst>
+                <a:ext uri="{FF2B5EF4-FFF2-40B4-BE49-F238E27FC236}">
+                  <a16:creationId xmlns:a16="http://schemas.microsoft.com/office/drawing/2014/main" id="{1B572544-AD91-2444-B436-2A05DC9F5B82}"/>
+                </a:ext>
+              </a:extLst>
+            </p:cNvPr>
+            <p:cNvSpPr/>
+            <p:nvPr/>
+          </p:nvSpPr>
+          <p:spPr>
+            <a:xfrm>
+              <a:off x="5411521" y="1956926"/>
+              <a:ext cx="1619723" cy="831691"/>
+            </a:xfrm>
+            <a:prstGeom prst="rect">
+              <a:avLst/>
+            </a:prstGeom>
+          </p:spPr>
+          <p:style>
+            <a:lnRef idx="2">
+              <a:schemeClr val="accent1">
+                <a:shade val="50000"/>
+              </a:schemeClr>
+            </a:lnRef>
+            <a:fillRef idx="1">
               <a:schemeClr val="accent1"/>
-            </a:solidFill>
-            <a:prstDash val="sysDash"/>
-            <a:round/>
-            <a:headEnd type="none" w="med" len="med"/>
-            <a:tailEnd type="triangle" w="med" len="med"/>
-          </a:ln>
-        </p:spPr>
-        <p:style>
-          <a:lnRef idx="0">
-            <a:scrgbClr r="0" g="0" b="0"/>
-          </a:lnRef>
-          <a:fillRef idx="0">
-            <a:scrgbClr r="0" g="0" b="0"/>
-          </a:fillRef>
-          <a:effectRef idx="0">
-            <a:scrgbClr r="0" g="0" b="0"/>
-          </a:effectRef>
-          <a:fontRef idx="minor">
-            <a:schemeClr val="tx1"/>
-          </a:fontRef>
-        </p:style>
-      </p:cxnSp>
+            </a:fillRef>
+            <a:effectRef idx="0">
+              <a:schemeClr val="accent1"/>
+            </a:effectRef>
+            <a:fontRef idx="minor">
+              <a:schemeClr val="lt1"/>
+            </a:fontRef>
+          </p:style>
+          <p:txBody>
+            <a:bodyPr rtlCol="0" anchor="ctr"/>
+            <a:lstStyle/>
+            <a:p>
+              <a:pPr algn="ctr"/>
+              <a:r>
+                <a:rPr kumimoji="1" lang="en-US" altLang="ko-KR" dirty="0"/>
+                <a:t>Stocks</a:t>
+              </a:r>
+            </a:p>
+            <a:p>
+              <a:pPr algn="ctr"/>
+              <a:r>
+                <a:rPr kumimoji="1" lang="en-US" altLang="ko-KR" dirty="0"/>
+                <a:t>Management</a:t>
+              </a:r>
+            </a:p>
+            <a:p>
+              <a:pPr algn="ctr"/>
+              <a:r>
+                <a:rPr kumimoji="1" lang="en-US" altLang="ko-KR" dirty="0"/>
+                <a:t>Service</a:t>
+              </a:r>
+              <a:endParaRPr kumimoji="1" lang="ko-KR" altLang="en-US" dirty="0"/>
+            </a:p>
+          </p:txBody>
+        </p:sp>
+        <p:sp>
+          <p:nvSpPr>
+            <p:cNvPr id="11" name="직사각형 10">
+              <a:extLst>
+                <a:ext uri="{FF2B5EF4-FFF2-40B4-BE49-F238E27FC236}">
+                  <a16:creationId xmlns:a16="http://schemas.microsoft.com/office/drawing/2014/main" id="{2ECE5E05-7D39-FF41-9DE6-76B29FE4C3F1}"/>
+                </a:ext>
+              </a:extLst>
+            </p:cNvPr>
+            <p:cNvSpPr/>
+            <p:nvPr/>
+          </p:nvSpPr>
+          <p:spPr>
+            <a:xfrm>
+              <a:off x="5411521" y="5462546"/>
+              <a:ext cx="1619723" cy="831691"/>
+            </a:xfrm>
+            <a:prstGeom prst="rect">
+              <a:avLst/>
+            </a:prstGeom>
+          </p:spPr>
+          <p:style>
+            <a:lnRef idx="2">
+              <a:schemeClr val="accent1">
+                <a:shade val="50000"/>
+              </a:schemeClr>
+            </a:lnRef>
+            <a:fillRef idx="1">
+              <a:schemeClr val="accent1"/>
+            </a:fillRef>
+            <a:effectRef idx="0">
+              <a:schemeClr val="accent1"/>
+            </a:effectRef>
+            <a:fontRef idx="minor">
+              <a:schemeClr val="lt1"/>
+            </a:fontRef>
+          </p:style>
+          <p:txBody>
+            <a:bodyPr rtlCol="0" anchor="ctr"/>
+            <a:lstStyle/>
+            <a:p>
+              <a:pPr algn="ctr"/>
+              <a:r>
+                <a:rPr kumimoji="1" lang="en-US" altLang="ko-KR" dirty="0"/>
+                <a:t>Client</a:t>
+              </a:r>
+              <a:endParaRPr kumimoji="1" lang="ko-KR" altLang="en-US" dirty="0"/>
+            </a:p>
+          </p:txBody>
+        </p:sp>
+        <p:cxnSp>
+          <p:nvCxnSpPr>
+            <p:cNvPr id="18" name="직선 화살표 연결선 17">
+              <a:extLst>
+                <a:ext uri="{FF2B5EF4-FFF2-40B4-BE49-F238E27FC236}">
+                  <a16:creationId xmlns:a16="http://schemas.microsoft.com/office/drawing/2014/main" id="{B295BE80-E722-494C-812B-FC759CF6D866}"/>
+                </a:ext>
+              </a:extLst>
+            </p:cNvPr>
+            <p:cNvCxnSpPr>
+              <a:cxnSpLocks/>
+              <a:stCxn id="4" idx="0"/>
+              <a:endCxn id="10" idx="2"/>
+            </p:cNvCxnSpPr>
+            <p:nvPr/>
+          </p:nvCxnSpPr>
+          <p:spPr>
+            <a:xfrm flipV="1">
+              <a:off x="4597762" y="2788617"/>
+              <a:ext cx="1623621" cy="1090858"/>
+            </a:xfrm>
+            <a:prstGeom prst="straightConnector1">
+              <a:avLst/>
+            </a:prstGeom>
+            <a:ln w="38100">
+              <a:tailEnd type="triangle"/>
+            </a:ln>
+          </p:spPr>
+          <p:style>
+            <a:lnRef idx="3">
+              <a:schemeClr val="accent1"/>
+            </a:lnRef>
+            <a:fillRef idx="0">
+              <a:schemeClr val="accent1"/>
+            </a:fillRef>
+            <a:effectRef idx="2">
+              <a:schemeClr val="accent1"/>
+            </a:effectRef>
+            <a:fontRef idx="minor">
+              <a:schemeClr val="tx1"/>
+            </a:fontRef>
+          </p:style>
+        </p:cxnSp>
+        <p:cxnSp>
+          <p:nvCxnSpPr>
+            <p:cNvPr id="21" name="직선 화살표 연결선 20">
+              <a:extLst>
+                <a:ext uri="{FF2B5EF4-FFF2-40B4-BE49-F238E27FC236}">
+                  <a16:creationId xmlns:a16="http://schemas.microsoft.com/office/drawing/2014/main" id="{3A3652F7-DF4E-AE45-B119-2395E71F5FF5}"/>
+                </a:ext>
+              </a:extLst>
+            </p:cNvPr>
+            <p:cNvCxnSpPr>
+              <a:cxnSpLocks/>
+              <a:stCxn id="7" idx="0"/>
+              <a:endCxn id="10" idx="2"/>
+            </p:cNvCxnSpPr>
+            <p:nvPr/>
+          </p:nvCxnSpPr>
+          <p:spPr>
+            <a:xfrm flipH="1" flipV="1">
+              <a:off x="6221383" y="2788617"/>
+              <a:ext cx="1615825" cy="1090858"/>
+            </a:xfrm>
+            <a:prstGeom prst="straightConnector1">
+              <a:avLst/>
+            </a:prstGeom>
+            <a:ln w="38100">
+              <a:tailEnd type="triangle"/>
+            </a:ln>
+          </p:spPr>
+          <p:style>
+            <a:lnRef idx="3">
+              <a:schemeClr val="accent1"/>
+            </a:lnRef>
+            <a:fillRef idx="0">
+              <a:schemeClr val="accent1"/>
+            </a:fillRef>
+            <a:effectRef idx="2">
+              <a:schemeClr val="accent1"/>
+            </a:effectRef>
+            <a:fontRef idx="minor">
+              <a:schemeClr val="tx1"/>
+            </a:fontRef>
+          </p:style>
+        </p:cxnSp>
+        <p:cxnSp>
+          <p:nvCxnSpPr>
+            <p:cNvPr id="29" name="직선 화살표 연결선 28">
+              <a:extLst>
+                <a:ext uri="{FF2B5EF4-FFF2-40B4-BE49-F238E27FC236}">
+                  <a16:creationId xmlns:a16="http://schemas.microsoft.com/office/drawing/2014/main" id="{348D68EB-6540-0F45-A9D9-EF8537B5D0C1}"/>
+                </a:ext>
+              </a:extLst>
+            </p:cNvPr>
+            <p:cNvCxnSpPr>
+              <a:cxnSpLocks/>
+              <a:stCxn id="9" idx="3"/>
+              <a:endCxn id="4" idx="1"/>
+            </p:cNvCxnSpPr>
+            <p:nvPr/>
+          </p:nvCxnSpPr>
+          <p:spPr>
+            <a:xfrm>
+              <a:off x="2855274" y="2712251"/>
+              <a:ext cx="932626" cy="1583070"/>
+            </a:xfrm>
+            <a:prstGeom prst="straightConnector1">
+              <a:avLst/>
+            </a:prstGeom>
+            <a:ln w="38100" cap="flat" cmpd="sng" algn="ctr">
+              <a:solidFill>
+                <a:schemeClr val="accent1"/>
+              </a:solidFill>
+              <a:prstDash val="sysDash"/>
+              <a:round/>
+              <a:headEnd type="none" w="med" len="med"/>
+              <a:tailEnd type="triangle" w="med" len="med"/>
+            </a:ln>
+          </p:spPr>
+          <p:style>
+            <a:lnRef idx="0">
+              <a:scrgbClr r="0" g="0" b="0"/>
+            </a:lnRef>
+            <a:fillRef idx="0">
+              <a:scrgbClr r="0" g="0" b="0"/>
+            </a:fillRef>
+            <a:effectRef idx="0">
+              <a:scrgbClr r="0" g="0" b="0"/>
+            </a:effectRef>
+            <a:fontRef idx="minor">
+              <a:schemeClr val="tx1"/>
+            </a:fontRef>
+          </p:style>
+        </p:cxnSp>
+        <p:cxnSp>
+          <p:nvCxnSpPr>
+            <p:cNvPr id="36" name="직선 화살표 연결선 35">
+              <a:extLst>
+                <a:ext uri="{FF2B5EF4-FFF2-40B4-BE49-F238E27FC236}">
+                  <a16:creationId xmlns:a16="http://schemas.microsoft.com/office/drawing/2014/main" id="{DFB7654B-DF6E-FE42-B5C1-EA9A9A750755}"/>
+                </a:ext>
+              </a:extLst>
+            </p:cNvPr>
+            <p:cNvCxnSpPr>
+              <a:cxnSpLocks/>
+              <a:stCxn id="8" idx="1"/>
+              <a:endCxn id="7" idx="3"/>
+            </p:cNvCxnSpPr>
+            <p:nvPr/>
+          </p:nvCxnSpPr>
+          <p:spPr>
+            <a:xfrm flipH="1">
+              <a:off x="8647069" y="2712251"/>
+              <a:ext cx="1499518" cy="1583070"/>
+            </a:xfrm>
+            <a:prstGeom prst="straightConnector1">
+              <a:avLst/>
+            </a:prstGeom>
+            <a:ln w="38100" cap="flat" cmpd="sng" algn="ctr">
+              <a:solidFill>
+                <a:schemeClr val="accent1"/>
+              </a:solidFill>
+              <a:prstDash val="sysDash"/>
+              <a:round/>
+              <a:headEnd type="none" w="med" len="med"/>
+              <a:tailEnd type="triangle" w="med" len="med"/>
+            </a:ln>
+          </p:spPr>
+          <p:style>
+            <a:lnRef idx="0">
+              <a:scrgbClr r="0" g="0" b="0"/>
+            </a:lnRef>
+            <a:fillRef idx="0">
+              <a:scrgbClr r="0" g="0" b="0"/>
+            </a:fillRef>
+            <a:effectRef idx="0">
+              <a:scrgbClr r="0" g="0" b="0"/>
+            </a:effectRef>
+            <a:fontRef idx="minor">
+              <a:schemeClr val="tx1"/>
+            </a:fontRef>
+          </p:style>
+        </p:cxnSp>
+        <p:cxnSp>
+          <p:nvCxnSpPr>
+            <p:cNvPr id="51" name="직선 화살표 연결선 50">
+              <a:extLst>
+                <a:ext uri="{FF2B5EF4-FFF2-40B4-BE49-F238E27FC236}">
+                  <a16:creationId xmlns:a16="http://schemas.microsoft.com/office/drawing/2014/main" id="{11D31CAF-5B62-8A4D-9FA1-3DDC8AD772FA}"/>
+                </a:ext>
+              </a:extLst>
+            </p:cNvPr>
+            <p:cNvCxnSpPr>
+              <a:cxnSpLocks/>
+              <a:stCxn id="4" idx="2"/>
+              <a:endCxn id="11" idx="1"/>
+            </p:cNvCxnSpPr>
+            <p:nvPr/>
+          </p:nvCxnSpPr>
+          <p:spPr>
+            <a:xfrm>
+              <a:off x="4597762" y="4711166"/>
+              <a:ext cx="813759" cy="1167226"/>
+            </a:xfrm>
+            <a:prstGeom prst="straightConnector1">
+              <a:avLst/>
+            </a:prstGeom>
+            <a:ln w="38100" cap="flat" cmpd="sng" algn="ctr">
+              <a:solidFill>
+                <a:schemeClr val="accent1"/>
+              </a:solidFill>
+              <a:prstDash val="sysDash"/>
+              <a:round/>
+              <a:headEnd type="none" w="med" len="med"/>
+              <a:tailEnd type="triangle" w="med" len="med"/>
+            </a:ln>
+          </p:spPr>
+          <p:style>
+            <a:lnRef idx="0">
+              <a:scrgbClr r="0" g="0" b="0"/>
+            </a:lnRef>
+            <a:fillRef idx="0">
+              <a:scrgbClr r="0" g="0" b="0"/>
+            </a:fillRef>
+            <a:effectRef idx="0">
+              <a:scrgbClr r="0" g="0" b="0"/>
+            </a:effectRef>
+            <a:fontRef idx="minor">
+              <a:schemeClr val="tx1"/>
+            </a:fontRef>
+          </p:style>
+        </p:cxnSp>
+        <p:cxnSp>
+          <p:nvCxnSpPr>
+            <p:cNvPr id="54" name="직선 화살표 연결선 53">
+              <a:extLst>
+                <a:ext uri="{FF2B5EF4-FFF2-40B4-BE49-F238E27FC236}">
+                  <a16:creationId xmlns:a16="http://schemas.microsoft.com/office/drawing/2014/main" id="{A43AF167-D776-8245-99C5-307AED6677BD}"/>
+                </a:ext>
+              </a:extLst>
+            </p:cNvPr>
+            <p:cNvCxnSpPr>
+              <a:cxnSpLocks/>
+              <a:stCxn id="7" idx="2"/>
+              <a:endCxn id="11" idx="3"/>
+            </p:cNvCxnSpPr>
+            <p:nvPr/>
+          </p:nvCxnSpPr>
+          <p:spPr>
+            <a:xfrm flipH="1">
+              <a:off x="7031244" y="4711166"/>
+              <a:ext cx="805964" cy="1167226"/>
+            </a:xfrm>
+            <a:prstGeom prst="straightConnector1">
+              <a:avLst/>
+            </a:prstGeom>
+            <a:ln w="38100" cap="flat" cmpd="sng" algn="ctr">
+              <a:solidFill>
+                <a:schemeClr val="accent1"/>
+              </a:solidFill>
+              <a:prstDash val="sysDash"/>
+              <a:round/>
+              <a:headEnd type="none" w="med" len="med"/>
+              <a:tailEnd type="triangle" w="med" len="med"/>
+            </a:ln>
+          </p:spPr>
+          <p:style>
+            <a:lnRef idx="0">
+              <a:scrgbClr r="0" g="0" b="0"/>
+            </a:lnRef>
+            <a:fillRef idx="0">
+              <a:scrgbClr r="0" g="0" b="0"/>
+            </a:fillRef>
+            <a:effectRef idx="0">
+              <a:scrgbClr r="0" g="0" b="0"/>
+            </a:effectRef>
+            <a:fontRef idx="minor">
+              <a:schemeClr val="tx1"/>
+            </a:fontRef>
+          </p:style>
+        </p:cxnSp>
+        <p:sp>
+          <p:nvSpPr>
+            <p:cNvPr id="22" name="직사각형 21">
+              <a:extLst>
+                <a:ext uri="{FF2B5EF4-FFF2-40B4-BE49-F238E27FC236}">
+                  <a16:creationId xmlns:a16="http://schemas.microsoft.com/office/drawing/2014/main" id="{5972E4BD-E147-FF45-AFB4-942C44815981}"/>
+                </a:ext>
+              </a:extLst>
+            </p:cNvPr>
+            <p:cNvSpPr/>
+            <p:nvPr/>
+          </p:nvSpPr>
+          <p:spPr>
+            <a:xfrm>
+              <a:off x="5411521" y="373856"/>
+              <a:ext cx="1619723" cy="831691"/>
+            </a:xfrm>
+            <a:prstGeom prst="rect">
+              <a:avLst/>
+            </a:prstGeom>
+          </p:spPr>
+          <p:style>
+            <a:lnRef idx="2">
+              <a:schemeClr val="accent1">
+                <a:shade val="50000"/>
+              </a:schemeClr>
+            </a:lnRef>
+            <a:fillRef idx="1">
+              <a:schemeClr val="accent1"/>
+            </a:fillRef>
+            <a:effectRef idx="0">
+              <a:schemeClr val="accent1"/>
+            </a:effectRef>
+            <a:fontRef idx="minor">
+              <a:schemeClr val="lt1"/>
+            </a:fontRef>
+          </p:style>
+          <p:txBody>
+            <a:bodyPr rtlCol="0" anchor="ctr"/>
+            <a:lstStyle/>
+            <a:p>
+              <a:pPr algn="ctr"/>
+              <a:r>
+                <a:rPr kumimoji="1" lang="en-US" altLang="ko-KR" dirty="0"/>
+                <a:t>Stocks</a:t>
+              </a:r>
+            </a:p>
+            <a:p>
+              <a:pPr algn="ctr"/>
+              <a:r>
+                <a:rPr kumimoji="1" lang="en-US" altLang="ko-KR" dirty="0"/>
+                <a:t>Management</a:t>
+              </a:r>
+            </a:p>
+            <a:p>
+              <a:pPr algn="ctr"/>
+              <a:r>
+                <a:rPr kumimoji="1" lang="en-US" altLang="ko-KR" dirty="0"/>
+                <a:t>UI</a:t>
+              </a:r>
+              <a:endParaRPr kumimoji="1" lang="ko-KR" altLang="en-US" dirty="0"/>
+            </a:p>
+          </p:txBody>
+        </p:sp>
+        <p:cxnSp>
+          <p:nvCxnSpPr>
+            <p:cNvPr id="23" name="직선 화살표 연결선 22">
+              <a:extLst>
+                <a:ext uri="{FF2B5EF4-FFF2-40B4-BE49-F238E27FC236}">
+                  <a16:creationId xmlns:a16="http://schemas.microsoft.com/office/drawing/2014/main" id="{CFA77D5C-93F2-894C-99D7-7BD61841CDD9}"/>
+                </a:ext>
+              </a:extLst>
+            </p:cNvPr>
+            <p:cNvCxnSpPr>
+              <a:cxnSpLocks/>
+              <a:stCxn id="9" idx="0"/>
+              <a:endCxn id="22" idx="1"/>
+            </p:cNvCxnSpPr>
+            <p:nvPr/>
+          </p:nvCxnSpPr>
+          <p:spPr>
+            <a:xfrm flipV="1">
+              <a:off x="2045413" y="789702"/>
+              <a:ext cx="3366108" cy="1506703"/>
+            </a:xfrm>
+            <a:prstGeom prst="straightConnector1">
+              <a:avLst/>
+            </a:prstGeom>
+            <a:ln w="38100">
+              <a:tailEnd type="triangle"/>
+            </a:ln>
+          </p:spPr>
+          <p:style>
+            <a:lnRef idx="3">
+              <a:schemeClr val="accent1"/>
+            </a:lnRef>
+            <a:fillRef idx="0">
+              <a:schemeClr val="accent1"/>
+            </a:fillRef>
+            <a:effectRef idx="2">
+              <a:schemeClr val="accent1"/>
+            </a:effectRef>
+            <a:fontRef idx="minor">
+              <a:schemeClr val="tx1"/>
+            </a:fontRef>
+          </p:style>
+        </p:cxnSp>
+        <p:cxnSp>
+          <p:nvCxnSpPr>
+            <p:cNvPr id="26" name="직선 화살표 연결선 25">
+              <a:extLst>
+                <a:ext uri="{FF2B5EF4-FFF2-40B4-BE49-F238E27FC236}">
+                  <a16:creationId xmlns:a16="http://schemas.microsoft.com/office/drawing/2014/main" id="{C6BA1015-4077-2E4E-89F8-D699CB40A1AA}"/>
+                </a:ext>
+              </a:extLst>
+            </p:cNvPr>
+            <p:cNvCxnSpPr>
+              <a:cxnSpLocks/>
+              <a:stCxn id="8" idx="0"/>
+              <a:endCxn id="22" idx="3"/>
+            </p:cNvCxnSpPr>
+            <p:nvPr/>
+          </p:nvCxnSpPr>
+          <p:spPr>
+            <a:xfrm flipH="1" flipV="1">
+              <a:off x="7031244" y="789702"/>
+              <a:ext cx="3925205" cy="1506703"/>
+            </a:xfrm>
+            <a:prstGeom prst="straightConnector1">
+              <a:avLst/>
+            </a:prstGeom>
+            <a:ln w="38100">
+              <a:tailEnd type="triangle"/>
+            </a:ln>
+          </p:spPr>
+          <p:style>
+            <a:lnRef idx="3">
+              <a:schemeClr val="accent1"/>
+            </a:lnRef>
+            <a:fillRef idx="0">
+              <a:schemeClr val="accent1"/>
+            </a:fillRef>
+            <a:effectRef idx="2">
+              <a:schemeClr val="accent1"/>
+            </a:effectRef>
+            <a:fontRef idx="minor">
+              <a:schemeClr val="tx1"/>
+            </a:fontRef>
+          </p:style>
+        </p:cxnSp>
+        <p:cxnSp>
+          <p:nvCxnSpPr>
+            <p:cNvPr id="67" name="직선 화살표 연결선 66">
+              <a:extLst>
+                <a:ext uri="{FF2B5EF4-FFF2-40B4-BE49-F238E27FC236}">
+                  <a16:creationId xmlns:a16="http://schemas.microsoft.com/office/drawing/2014/main" id="{EB872271-2AB8-3C4D-8266-8B00CF754AD0}"/>
+                </a:ext>
+              </a:extLst>
+            </p:cNvPr>
+            <p:cNvCxnSpPr>
+              <a:cxnSpLocks/>
+              <a:stCxn id="22" idx="2"/>
+              <a:endCxn id="10" idx="0"/>
+            </p:cNvCxnSpPr>
+            <p:nvPr/>
+          </p:nvCxnSpPr>
+          <p:spPr>
+            <a:xfrm>
+              <a:off x="6221383" y="1205547"/>
+              <a:ext cx="0" cy="751379"/>
+            </a:xfrm>
+            <a:prstGeom prst="straightConnector1">
+              <a:avLst/>
+            </a:prstGeom>
+            <a:ln w="38100" cap="flat" cmpd="sng" algn="ctr">
+              <a:solidFill>
+                <a:schemeClr val="accent1"/>
+              </a:solidFill>
+              <a:prstDash val="sysDash"/>
+              <a:round/>
+              <a:headEnd type="none" w="med" len="med"/>
+              <a:tailEnd type="triangle" w="med" len="med"/>
+            </a:ln>
+          </p:spPr>
+          <p:style>
+            <a:lnRef idx="0">
+              <a:scrgbClr r="0" g="0" b="0"/>
+            </a:lnRef>
+            <a:fillRef idx="0">
+              <a:scrgbClr r="0" g="0" b="0"/>
+            </a:fillRef>
+            <a:effectRef idx="0">
+              <a:scrgbClr r="0" g="0" b="0"/>
+            </a:effectRef>
+            <a:fontRef idx="minor">
+              <a:schemeClr val="tx1"/>
+            </a:fontRef>
+          </p:style>
+        </p:cxnSp>
+      </p:grpSp>
     </p:spTree>
     <p:extLst>
       <p:ext uri="{BB962C8B-B14F-4D97-AF65-F5344CB8AC3E}">
